--- a/FW/Minh/Task3/WEBSERVER.pptx
+++ b/FW/Minh/Task3/WEBSERVER.pptx
@@ -224,7 +224,7 @@
           <a:p>
             <a:fld id="{BE921E71-55FB-4F70-BA64-7E87629B9540}" type="datetimeFigureOut">
               <a:rPr lang="en-US" smtClean="0"/>
-              <a:t>7/31/2020</a:t>
+              <a:t>8/23/2020</a:t>
             </a:fld>
             <a:endParaRPr lang="en-US"/>
           </a:p>
@@ -1016,6 +1016,8 @@
                 <a:solidFill>
                   <a:schemeClr val="bg1"/>
                 </a:solidFill>
+                <a:latin typeface="Segoe UI Black" panose="020B0A02040204020203" pitchFamily="34" charset="0"/>
+                <a:ea typeface="Segoe UI Black" panose="020B0A02040204020203" pitchFamily="34" charset="0"/>
               </a:rPr>
               <a:t>Diễn</a:t>
             </a:r>
@@ -1024,6 +1026,8 @@
                 <a:solidFill>
                   <a:schemeClr val="bg1"/>
                 </a:solidFill>
+                <a:latin typeface="Segoe UI Black" panose="020B0A02040204020203" pitchFamily="34" charset="0"/>
+                <a:ea typeface="Segoe UI Black" panose="020B0A02040204020203" pitchFamily="34" charset="0"/>
               </a:rPr>
               <a:t> </a:t>
             </a:r>
@@ -1032,6 +1036,8 @@
                 <a:solidFill>
                   <a:schemeClr val="bg1"/>
                 </a:solidFill>
+                <a:latin typeface="Segoe UI Black" panose="020B0A02040204020203" pitchFamily="34" charset="0"/>
+                <a:ea typeface="Segoe UI Black" panose="020B0A02040204020203" pitchFamily="34" charset="0"/>
               </a:rPr>
               <a:t>giả</a:t>
             </a:r>
@@ -1040,6 +1046,8 @@
                 <a:solidFill>
                   <a:schemeClr val="bg1"/>
                 </a:solidFill>
+                <a:latin typeface="Segoe UI Black" panose="020B0A02040204020203" pitchFamily="34" charset="0"/>
+                <a:ea typeface="Segoe UI Black" panose="020B0A02040204020203" pitchFamily="34" charset="0"/>
               </a:rPr>
               <a:t>: </a:t>
             </a:r>
@@ -1048,6 +1056,8 @@
                 <a:solidFill>
                   <a:schemeClr val="bg1"/>
                 </a:solidFill>
+                <a:latin typeface="Segoe UI Black" panose="020B0A02040204020203" pitchFamily="34" charset="0"/>
+                <a:ea typeface="Segoe UI Black" panose="020B0A02040204020203" pitchFamily="34" charset="0"/>
               </a:rPr>
               <a:t>Indruino</a:t>
             </a:r>
@@ -1055,6 +1065,8 @@
               <a:solidFill>
                 <a:schemeClr val="bg1"/>
               </a:solidFill>
+              <a:latin typeface="Segoe UI Black" panose="020B0A02040204020203" pitchFamily="34" charset="0"/>
+              <a:ea typeface="Segoe UI Black" panose="020B0A02040204020203" pitchFamily="34" charset="0"/>
             </a:endParaRPr>
           </a:p>
           <a:p>
@@ -1063,6 +1075,8 @@
                 <a:solidFill>
                   <a:schemeClr val="bg1"/>
                 </a:solidFill>
+                <a:latin typeface="Segoe UI Black" panose="020B0A02040204020203" pitchFamily="34" charset="0"/>
+                <a:ea typeface="Segoe UI Black" panose="020B0A02040204020203" pitchFamily="34" charset="0"/>
               </a:rPr>
               <a:t>Bộ</a:t>
             </a:r>
@@ -1071,6 +1085,8 @@
                 <a:solidFill>
                   <a:schemeClr val="bg1"/>
                 </a:solidFill>
+                <a:latin typeface="Segoe UI Black" panose="020B0A02040204020203" pitchFamily="34" charset="0"/>
+                <a:ea typeface="Segoe UI Black" panose="020B0A02040204020203" pitchFamily="34" charset="0"/>
               </a:rPr>
               <a:t> </a:t>
             </a:r>
@@ -1079,6 +1095,8 @@
                 <a:solidFill>
                   <a:schemeClr val="bg1"/>
                 </a:solidFill>
+                <a:latin typeface="Segoe UI Black" panose="020B0A02040204020203" pitchFamily="34" charset="0"/>
+                <a:ea typeface="Segoe UI Black" panose="020B0A02040204020203" pitchFamily="34" charset="0"/>
               </a:rPr>
               <a:t>phận</a:t>
             </a:r>
@@ -1087,6 +1105,8 @@
                 <a:solidFill>
                   <a:schemeClr val="bg1"/>
                 </a:solidFill>
+                <a:latin typeface="Segoe UI Black" panose="020B0A02040204020203" pitchFamily="34" charset="0"/>
+                <a:ea typeface="Segoe UI Black" panose="020B0A02040204020203" pitchFamily="34" charset="0"/>
               </a:rPr>
               <a:t>: </a:t>
             </a:r>
@@ -1095,6 +1115,8 @@
                 <a:solidFill>
                   <a:schemeClr val="bg1"/>
                 </a:solidFill>
+                <a:latin typeface="Segoe UI Black" panose="020B0A02040204020203" pitchFamily="34" charset="0"/>
+                <a:ea typeface="Segoe UI Black" panose="020B0A02040204020203" pitchFamily="34" charset="0"/>
               </a:rPr>
               <a:t>Indruino</a:t>
             </a:r>
@@ -1102,6 +1124,8 @@
               <a:solidFill>
                 <a:schemeClr val="bg1"/>
               </a:solidFill>
+              <a:latin typeface="Segoe UI Black" panose="020B0A02040204020203" pitchFamily="34" charset="0"/>
+              <a:ea typeface="Segoe UI Black" panose="020B0A02040204020203" pitchFamily="34" charset="0"/>
             </a:endParaRPr>
           </a:p>
         </p:txBody>
@@ -2929,6 +2953,8 @@
                 <a:solidFill>
                   <a:schemeClr val="bg1"/>
                 </a:solidFill>
+                <a:latin typeface="Segoe UI Black" panose="020B0A02040204020203" pitchFamily="34" charset="0"/>
+                <a:ea typeface="Segoe UI Black" panose="020B0A02040204020203" pitchFamily="34" charset="0"/>
               </a:rPr>
               <a:t>Diễn</a:t>
             </a:r>
@@ -2937,6 +2963,8 @@
                 <a:solidFill>
                   <a:schemeClr val="bg1"/>
                 </a:solidFill>
+                <a:latin typeface="Segoe UI Black" panose="020B0A02040204020203" pitchFamily="34" charset="0"/>
+                <a:ea typeface="Segoe UI Black" panose="020B0A02040204020203" pitchFamily="34" charset="0"/>
               </a:rPr>
               <a:t> </a:t>
             </a:r>
@@ -2945,6 +2973,8 @@
                 <a:solidFill>
                   <a:schemeClr val="bg1"/>
                 </a:solidFill>
+                <a:latin typeface="Segoe UI Black" panose="020B0A02040204020203" pitchFamily="34" charset="0"/>
+                <a:ea typeface="Segoe UI Black" panose="020B0A02040204020203" pitchFamily="34" charset="0"/>
               </a:rPr>
               <a:t>giả</a:t>
             </a:r>
@@ -2953,6 +2983,8 @@
                 <a:solidFill>
                   <a:schemeClr val="bg1"/>
                 </a:solidFill>
+                <a:latin typeface="Segoe UI Black" panose="020B0A02040204020203" pitchFamily="34" charset="0"/>
+                <a:ea typeface="Segoe UI Black" panose="020B0A02040204020203" pitchFamily="34" charset="0"/>
               </a:rPr>
               <a:t>: </a:t>
             </a:r>
@@ -2961,6 +2993,8 @@
                 <a:solidFill>
                   <a:schemeClr val="bg1"/>
                 </a:solidFill>
+                <a:latin typeface="Segoe UI Black" panose="020B0A02040204020203" pitchFamily="34" charset="0"/>
+                <a:ea typeface="Segoe UI Black" panose="020B0A02040204020203" pitchFamily="34" charset="0"/>
               </a:rPr>
               <a:t>Indruino</a:t>
             </a:r>
@@ -2968,6 +3002,8 @@
               <a:solidFill>
                 <a:schemeClr val="bg1"/>
               </a:solidFill>
+              <a:latin typeface="Segoe UI Black" panose="020B0A02040204020203" pitchFamily="34" charset="0"/>
+              <a:ea typeface="Segoe UI Black" panose="020B0A02040204020203" pitchFamily="34" charset="0"/>
             </a:endParaRPr>
           </a:p>
           <a:p>
@@ -2976,6 +3012,8 @@
                 <a:solidFill>
                   <a:schemeClr val="bg1"/>
                 </a:solidFill>
+                <a:latin typeface="Segoe UI Black" panose="020B0A02040204020203" pitchFamily="34" charset="0"/>
+                <a:ea typeface="Segoe UI Black" panose="020B0A02040204020203" pitchFamily="34" charset="0"/>
               </a:rPr>
               <a:t>Bộ</a:t>
             </a:r>
@@ -2984,6 +3022,8 @@
                 <a:solidFill>
                   <a:schemeClr val="bg1"/>
                 </a:solidFill>
+                <a:latin typeface="Segoe UI Black" panose="020B0A02040204020203" pitchFamily="34" charset="0"/>
+                <a:ea typeface="Segoe UI Black" panose="020B0A02040204020203" pitchFamily="34" charset="0"/>
               </a:rPr>
               <a:t> </a:t>
             </a:r>
@@ -2992,6 +3032,8 @@
                 <a:solidFill>
                   <a:schemeClr val="bg1"/>
                 </a:solidFill>
+                <a:latin typeface="Segoe UI Black" panose="020B0A02040204020203" pitchFamily="34" charset="0"/>
+                <a:ea typeface="Segoe UI Black" panose="020B0A02040204020203" pitchFamily="34" charset="0"/>
               </a:rPr>
               <a:t>phận</a:t>
             </a:r>
@@ -3000,6 +3042,8 @@
                 <a:solidFill>
                   <a:schemeClr val="bg1"/>
                 </a:solidFill>
+                <a:latin typeface="Segoe UI Black" panose="020B0A02040204020203" pitchFamily="34" charset="0"/>
+                <a:ea typeface="Segoe UI Black" panose="020B0A02040204020203" pitchFamily="34" charset="0"/>
               </a:rPr>
               <a:t>: </a:t>
             </a:r>
@@ -3008,6 +3052,8 @@
                 <a:solidFill>
                   <a:schemeClr val="bg1"/>
                 </a:solidFill>
+                <a:latin typeface="Segoe UI Black" panose="020B0A02040204020203" pitchFamily="34" charset="0"/>
+                <a:ea typeface="Segoe UI Black" panose="020B0A02040204020203" pitchFamily="34" charset="0"/>
               </a:rPr>
               <a:t>Indruino</a:t>
             </a:r>
@@ -3015,6 +3061,8 @@
               <a:solidFill>
                 <a:schemeClr val="bg1"/>
               </a:solidFill>
+              <a:latin typeface="Segoe UI Black" panose="020B0A02040204020203" pitchFamily="34" charset="0"/>
+              <a:ea typeface="Segoe UI Black" panose="020B0A02040204020203" pitchFamily="34" charset="0"/>
             </a:endParaRPr>
           </a:p>
         </p:txBody>
@@ -3126,7 +3174,7 @@
           <a:lstStyle/>
           <a:p>
             <a:r>
-              <a:rPr lang="en-US"/>
+              <a:rPr lang="en-US" dirty="0"/>
               <a:t>Click to edit Master title style</a:t>
             </a:r>
           </a:p>
@@ -3159,35 +3207,35 @@
           <a:p>
             <a:pPr lvl="0"/>
             <a:r>
-              <a:rPr lang="en-US"/>
+              <a:rPr lang="en-US" dirty="0"/>
               <a:t>Edit Master text styles</a:t>
             </a:r>
           </a:p>
           <a:p>
             <a:pPr lvl="1"/>
             <a:r>
-              <a:rPr lang="en-US"/>
+              <a:rPr lang="en-US" dirty="0"/>
               <a:t>Second level</a:t>
             </a:r>
           </a:p>
           <a:p>
             <a:pPr lvl="2"/>
             <a:r>
-              <a:rPr lang="en-US"/>
+              <a:rPr lang="en-US" dirty="0"/>
               <a:t>Third level</a:t>
             </a:r>
           </a:p>
           <a:p>
             <a:pPr lvl="3"/>
             <a:r>
-              <a:rPr lang="en-US"/>
+              <a:rPr lang="en-US" dirty="0"/>
               <a:t>Fourth level</a:t>
             </a:r>
           </a:p>
           <a:p>
             <a:pPr lvl="4"/>
             <a:r>
-              <a:rPr lang="en-US"/>
+              <a:rPr lang="en-US" dirty="0"/>
               <a:t>Fifth level</a:t>
             </a:r>
           </a:p>
@@ -3222,18 +3270,19 @@
                     <a:tint val="75000"/>
                   </a:schemeClr>
                 </a:solidFill>
-                <a:latin typeface="Roboto" panose="02000000000000000000" pitchFamily="2" charset="0"/>
-                <a:ea typeface="Roboto" panose="02000000000000000000" pitchFamily="2" charset="0"/>
-                <a:cs typeface="Roboto" panose="02000000000000000000" pitchFamily="2" charset="0"/>
+                <a:latin typeface="Segoe UI Black" panose="020B0A02040204020203" pitchFamily="34" charset="0"/>
+                <a:ea typeface="Segoe UI Black" panose="020B0A02040204020203" pitchFamily="34" charset="0"/>
+                <a:cs typeface="Segoe UI Black" panose="020B0A02040204020203" pitchFamily="34" charset="0"/>
               </a:defRPr>
             </a:lvl1pPr>
           </a:lstStyle>
           <a:p>
             <a:fld id="{6D9FEF56-C5D4-4D87-B961-211842A8ECEA}" type="datetime1">
               <a:rPr lang="en-US" smtClean="0"/>
-              <a:t>7/31/2020</a:t>
+              <a:pPr/>
+              <a:t>8/23/2020</a:t>
             </a:fld>
-            <a:endParaRPr lang="en-US"/>
+            <a:endParaRPr lang="en-US" dirty="0"/>
           </a:p>
         </p:txBody>
       </p:sp>
@@ -3266,18 +3315,17 @@
                     <a:tint val="75000"/>
                   </a:schemeClr>
                 </a:solidFill>
-                <a:latin typeface="Roboto" panose="02000000000000000000" pitchFamily="2" charset="0"/>
-                <a:ea typeface="Roboto" panose="02000000000000000000" pitchFamily="2" charset="0"/>
-                <a:cs typeface="Roboto" panose="02000000000000000000" pitchFamily="2" charset="0"/>
+                <a:latin typeface="Segoe UI Black" panose="020B0A02040204020203" pitchFamily="34" charset="0"/>
+                <a:ea typeface="Segoe UI Black" panose="020B0A02040204020203" pitchFamily="34" charset="0"/>
+                <a:cs typeface="Segoe UI Black" panose="020B0A02040204020203" pitchFamily="34" charset="0"/>
               </a:defRPr>
             </a:lvl1pPr>
           </a:lstStyle>
           <a:p>
             <a:r>
-              <a:rPr lang="en-US"/>
+              <a:rPr lang="en-US" dirty="0"/>
               <a:t>www.indruino.com</a:t>
             </a:r>
-            <a:endParaRPr lang="en-US" dirty="0"/>
           </a:p>
         </p:txBody>
       </p:sp>
@@ -3310,9 +3358,9 @@
                     <a:tint val="75000"/>
                   </a:schemeClr>
                 </a:solidFill>
-                <a:latin typeface="Roboto" panose="02000000000000000000" pitchFamily="2" charset="0"/>
-                <a:ea typeface="Roboto" panose="02000000000000000000" pitchFamily="2" charset="0"/>
-                <a:cs typeface="Roboto" panose="02000000000000000000" pitchFamily="2" charset="0"/>
+                <a:latin typeface="Segoe UI Black" panose="020B0A02040204020203" pitchFamily="34" charset="0"/>
+                <a:ea typeface="Segoe UI Black" panose="020B0A02040204020203" pitchFamily="34" charset="0"/>
+                <a:cs typeface="Segoe UI Black" panose="020B0A02040204020203" pitchFamily="34" charset="0"/>
               </a:defRPr>
             </a:lvl1pPr>
           </a:lstStyle>
@@ -3322,7 +3370,7 @@
               <a:pPr/>
               <a:t>‹#›</a:t>
             </a:fld>
-            <a:endParaRPr lang="en-US"/>
+            <a:endParaRPr lang="en-US" dirty="0"/>
           </a:p>
         </p:txBody>
       </p:sp>
@@ -3357,9 +3405,9 @@
           <a:solidFill>
             <a:schemeClr val="tx1"/>
           </a:solidFill>
-          <a:latin typeface="Roboto" panose="02000000000000000000" pitchFamily="2" charset="0"/>
-          <a:ea typeface="Roboto" panose="02000000000000000000" pitchFamily="2" charset="0"/>
-          <a:cs typeface="Roboto" panose="02000000000000000000" pitchFamily="2" charset="0"/>
+          <a:latin typeface="Segoe UI Black" panose="020B0A02040204020203" pitchFamily="34" charset="0"/>
+          <a:ea typeface="Segoe UI Black" panose="020B0A02040204020203" pitchFamily="34" charset="0"/>
+          <a:cs typeface="Segoe UI Black" panose="020B0A02040204020203" pitchFamily="34" charset="0"/>
         </a:defRPr>
       </a:lvl1pPr>
     </p:titleStyle>
@@ -3377,9 +3425,9 @@
           <a:solidFill>
             <a:schemeClr val="tx1"/>
           </a:solidFill>
-          <a:latin typeface="Roboto" panose="02000000000000000000" pitchFamily="2" charset="0"/>
-          <a:ea typeface="Roboto" panose="02000000000000000000" pitchFamily="2" charset="0"/>
-          <a:cs typeface="Roboto" panose="02000000000000000000" pitchFamily="2" charset="0"/>
+          <a:latin typeface="Segoe UI Black" panose="020B0A02040204020203" pitchFamily="34" charset="0"/>
+          <a:ea typeface="Segoe UI Black" panose="020B0A02040204020203" pitchFamily="34" charset="0"/>
+          <a:cs typeface="Segoe UI Black" panose="020B0A02040204020203" pitchFamily="34" charset="0"/>
         </a:defRPr>
       </a:lvl1pPr>
       <a:lvl2pPr marL="685800" indent="-228600" algn="l" defTabSz="914400" rtl="0" eaLnBrk="1" latinLnBrk="0" hangingPunct="1">
@@ -3395,9 +3443,9 @@
           <a:solidFill>
             <a:schemeClr val="tx1"/>
           </a:solidFill>
-          <a:latin typeface="Roboto" panose="02000000000000000000" pitchFamily="2" charset="0"/>
-          <a:ea typeface="Roboto" panose="02000000000000000000" pitchFamily="2" charset="0"/>
-          <a:cs typeface="Roboto" panose="02000000000000000000" pitchFamily="2" charset="0"/>
+          <a:latin typeface="Segoe UI Black" panose="020B0A02040204020203" pitchFamily="34" charset="0"/>
+          <a:ea typeface="Segoe UI Black" panose="020B0A02040204020203" pitchFamily="34" charset="0"/>
+          <a:cs typeface="Segoe UI Black" panose="020B0A02040204020203" pitchFamily="34" charset="0"/>
         </a:defRPr>
       </a:lvl2pPr>
       <a:lvl3pPr marL="1143000" indent="-228600" algn="l" defTabSz="914400" rtl="0" eaLnBrk="1" latinLnBrk="0" hangingPunct="1">
@@ -3413,9 +3461,9 @@
           <a:solidFill>
             <a:schemeClr val="tx1"/>
           </a:solidFill>
-          <a:latin typeface="Roboto" panose="02000000000000000000" pitchFamily="2" charset="0"/>
-          <a:ea typeface="Roboto" panose="02000000000000000000" pitchFamily="2" charset="0"/>
-          <a:cs typeface="Roboto" panose="02000000000000000000" pitchFamily="2" charset="0"/>
+          <a:latin typeface="Segoe UI Black" panose="020B0A02040204020203" pitchFamily="34" charset="0"/>
+          <a:ea typeface="Segoe UI Black" panose="020B0A02040204020203" pitchFamily="34" charset="0"/>
+          <a:cs typeface="Segoe UI Black" panose="020B0A02040204020203" pitchFamily="34" charset="0"/>
         </a:defRPr>
       </a:lvl3pPr>
       <a:lvl4pPr marL="1600200" indent="-228600" algn="l" defTabSz="914400" rtl="0" eaLnBrk="1" latinLnBrk="0" hangingPunct="1">
@@ -3431,9 +3479,9 @@
           <a:solidFill>
             <a:schemeClr val="tx1"/>
           </a:solidFill>
-          <a:latin typeface="Roboto" panose="02000000000000000000" pitchFamily="2" charset="0"/>
-          <a:ea typeface="Roboto" panose="02000000000000000000" pitchFamily="2" charset="0"/>
-          <a:cs typeface="Roboto" panose="02000000000000000000" pitchFamily="2" charset="0"/>
+          <a:latin typeface="Segoe UI Black" panose="020B0A02040204020203" pitchFamily="34" charset="0"/>
+          <a:ea typeface="Segoe UI Black" panose="020B0A02040204020203" pitchFamily="34" charset="0"/>
+          <a:cs typeface="Segoe UI Black" panose="020B0A02040204020203" pitchFamily="34" charset="0"/>
         </a:defRPr>
       </a:lvl4pPr>
       <a:lvl5pPr marL="2057400" indent="-228600" algn="l" defTabSz="914400" rtl="0" eaLnBrk="1" latinLnBrk="0" hangingPunct="1">
@@ -3449,9 +3497,9 @@
           <a:solidFill>
             <a:schemeClr val="tx1"/>
           </a:solidFill>
-          <a:latin typeface="Roboto" panose="02000000000000000000" pitchFamily="2" charset="0"/>
-          <a:ea typeface="Roboto" panose="02000000000000000000" pitchFamily="2" charset="0"/>
-          <a:cs typeface="Roboto" panose="02000000000000000000" pitchFamily="2" charset="0"/>
+          <a:latin typeface="Segoe UI Black" panose="020B0A02040204020203" pitchFamily="34" charset="0"/>
+          <a:ea typeface="Segoe UI Black" panose="020B0A02040204020203" pitchFamily="34" charset="0"/>
+          <a:cs typeface="Segoe UI Black" panose="020B0A02040204020203" pitchFamily="34" charset="0"/>
         </a:defRPr>
       </a:lvl5pPr>
       <a:lvl6pPr marL="2514600" indent="-228600" algn="l" defTabSz="914400" rtl="0" eaLnBrk="1" latinLnBrk="0" hangingPunct="1">
@@ -4656,7 +4704,7 @@
           <a:lstStyle/>
           <a:p>
             <a:r>
-              <a:rPr lang="en-US"/>
+              <a:rPr lang="en-US" sz="4800" dirty="0"/>
               <a:t>WEBSERVER</a:t>
             </a:r>
           </a:p>
@@ -4755,7 +4803,7 @@
           <a:lstStyle/>
           <a:p>
             <a:r>
-              <a:rPr lang="en-US"/>
+              <a:rPr lang="en-US" sz="3000" dirty="0"/>
               <a:t>WEBSERVER</a:t>
             </a:r>
           </a:p>
@@ -4985,22 +5033,81 @@
               <a:buChar char="•"/>
             </a:pPr>
             <a:r>
-              <a:rPr lang="en-US" sz="1800">
+              <a:rPr lang="en-US" sz="1800" dirty="0" err="1">
                 <a:latin typeface="+mn-lt"/>
+                <a:ea typeface="Segoe UI Black" panose="020B0A02040204020203" pitchFamily="34" charset="0"/>
               </a:rPr>
-              <a:t>WebServer: th</a:t>
-            </a:r>
-            <a:r>
-              <a:rPr lang="vi-VN" sz="1800">
+              <a:t>WebServer</a:t>
+            </a:r>
+            <a:r>
+              <a:rPr lang="en-US" sz="1800" dirty="0">
                 <a:latin typeface="+mn-lt"/>
+                <a:ea typeface="Segoe UI Black" panose="020B0A02040204020203" pitchFamily="34" charset="0"/>
+              </a:rPr>
+              <a:t>: </a:t>
+            </a:r>
+            <a:r>
+              <a:rPr lang="en-US" sz="1800" dirty="0" err="1">
+                <a:latin typeface="+mn-lt"/>
+                <a:ea typeface="Segoe UI Black" panose="020B0A02040204020203" pitchFamily="34" charset="0"/>
+              </a:rPr>
+              <a:t>th</a:t>
+            </a:r>
+            <a:r>
+              <a:rPr lang="vi-VN" sz="1800" dirty="0">
+                <a:latin typeface="+mn-lt"/>
+                <a:ea typeface="Segoe UI Black" panose="020B0A02040204020203" pitchFamily="34" charset="0"/>
               </a:rPr>
               <a:t>ư</a:t>
             </a:r>
             <a:r>
-              <a:rPr lang="en-US" sz="1800">
+              <a:rPr lang="en-US" sz="1800" dirty="0">
                 <a:latin typeface="+mn-lt"/>
+                <a:ea typeface="Segoe UI Black" panose="020B0A02040204020203" pitchFamily="34" charset="0"/>
               </a:rPr>
-              <a:t> viện để tạo webserver.</a:t>
+              <a:t> </a:t>
+            </a:r>
+            <a:r>
+              <a:rPr lang="en-US" sz="1800" dirty="0" err="1">
+                <a:latin typeface="+mn-lt"/>
+                <a:ea typeface="Segoe UI Black" panose="020B0A02040204020203" pitchFamily="34" charset="0"/>
+              </a:rPr>
+              <a:t>viện</a:t>
+            </a:r>
+            <a:r>
+              <a:rPr lang="en-US" sz="1800" dirty="0">
+                <a:latin typeface="+mn-lt"/>
+                <a:ea typeface="Segoe UI Black" panose="020B0A02040204020203" pitchFamily="34" charset="0"/>
+              </a:rPr>
+              <a:t> </a:t>
+            </a:r>
+            <a:r>
+              <a:rPr lang="en-US" sz="1800" dirty="0" err="1">
+                <a:latin typeface="+mn-lt"/>
+                <a:ea typeface="Segoe UI Black" panose="020B0A02040204020203" pitchFamily="34" charset="0"/>
+              </a:rPr>
+              <a:t>để</a:t>
+            </a:r>
+            <a:r>
+              <a:rPr lang="en-US" sz="1800" dirty="0">
+                <a:latin typeface="+mn-lt"/>
+                <a:ea typeface="Segoe UI Black" panose="020B0A02040204020203" pitchFamily="34" charset="0"/>
+              </a:rPr>
+              <a:t> </a:t>
+            </a:r>
+            <a:r>
+              <a:rPr lang="en-US" sz="1800" dirty="0" err="1">
+                <a:latin typeface="+mn-lt"/>
+                <a:ea typeface="Segoe UI Black" panose="020B0A02040204020203" pitchFamily="34" charset="0"/>
+              </a:rPr>
+              <a:t>tạo</a:t>
+            </a:r>
+            <a:r>
+              <a:rPr lang="en-US" sz="1800" dirty="0">
+                <a:latin typeface="+mn-lt"/>
+                <a:ea typeface="Segoe UI Black" panose="020B0A02040204020203" pitchFamily="34" charset="0"/>
+              </a:rPr>
+              <a:t> webserver.</a:t>
             </a:r>
           </a:p>
           <a:p>
@@ -5012,10 +5119,95 @@
               <a:buChar char="•"/>
             </a:pPr>
             <a:r>
-              <a:rPr lang="en-US" sz="1800">
+              <a:rPr lang="en-US" sz="1800" dirty="0">
                 <a:latin typeface="+mn-lt"/>
+                <a:ea typeface="Segoe UI Black" panose="020B0A02040204020203" pitchFamily="34" charset="0"/>
               </a:rPr>
-              <a:t>Time, NTPClient, WiFiUdp: lấy thời gian thực.</a:t>
+              <a:t>Time, </a:t>
+            </a:r>
+            <a:r>
+              <a:rPr lang="en-US" sz="1800" dirty="0" err="1">
+                <a:latin typeface="+mn-lt"/>
+                <a:ea typeface="Segoe UI Black" panose="020B0A02040204020203" pitchFamily="34" charset="0"/>
+              </a:rPr>
+              <a:t>NTPClient</a:t>
+            </a:r>
+            <a:r>
+              <a:rPr lang="en-US" sz="1800" dirty="0">
+                <a:latin typeface="+mn-lt"/>
+                <a:ea typeface="Segoe UI Black" panose="020B0A02040204020203" pitchFamily="34" charset="0"/>
+              </a:rPr>
+              <a:t>, </a:t>
+            </a:r>
+            <a:r>
+              <a:rPr lang="en-US" sz="1800" dirty="0" err="1">
+                <a:latin typeface="+mn-lt"/>
+                <a:ea typeface="Segoe UI Black" panose="020B0A02040204020203" pitchFamily="34" charset="0"/>
+              </a:rPr>
+              <a:t>WiFiUdp</a:t>
+            </a:r>
+            <a:r>
+              <a:rPr lang="en-US" sz="1800" dirty="0">
+                <a:latin typeface="+mn-lt"/>
+                <a:ea typeface="Segoe UI Black" panose="020B0A02040204020203" pitchFamily="34" charset="0"/>
+              </a:rPr>
+              <a:t>: </a:t>
+            </a:r>
+            <a:r>
+              <a:rPr lang="en-US" sz="1800" dirty="0" err="1">
+                <a:latin typeface="+mn-lt"/>
+                <a:ea typeface="Segoe UI Black" panose="020B0A02040204020203" pitchFamily="34" charset="0"/>
+              </a:rPr>
+              <a:t>lấy</a:t>
+            </a:r>
+            <a:r>
+              <a:rPr lang="en-US" sz="1800" dirty="0">
+                <a:latin typeface="+mn-lt"/>
+                <a:ea typeface="Segoe UI Black" panose="020B0A02040204020203" pitchFamily="34" charset="0"/>
+              </a:rPr>
+              <a:t> </a:t>
+            </a:r>
+            <a:r>
+              <a:rPr lang="en-US" sz="1800" dirty="0" err="1">
+                <a:latin typeface="+mn-lt"/>
+                <a:ea typeface="Segoe UI Black" panose="020B0A02040204020203" pitchFamily="34" charset="0"/>
+              </a:rPr>
+              <a:t>thời</a:t>
+            </a:r>
+            <a:r>
+              <a:rPr lang="en-US" sz="1800" dirty="0">
+                <a:latin typeface="+mn-lt"/>
+                <a:ea typeface="Segoe UI Black" panose="020B0A02040204020203" pitchFamily="34" charset="0"/>
+              </a:rPr>
+              <a:t> </a:t>
+            </a:r>
+            <a:r>
+              <a:rPr lang="en-US" sz="1800" dirty="0" err="1">
+                <a:latin typeface="+mn-lt"/>
+                <a:ea typeface="Segoe UI Black" panose="020B0A02040204020203" pitchFamily="34" charset="0"/>
+              </a:rPr>
+              <a:t>gian</a:t>
+            </a:r>
+            <a:r>
+              <a:rPr lang="en-US" sz="1800" dirty="0">
+                <a:latin typeface="+mn-lt"/>
+                <a:ea typeface="Segoe UI Black" panose="020B0A02040204020203" pitchFamily="34" charset="0"/>
+              </a:rPr>
+              <a:t> </a:t>
+            </a:r>
+            <a:r>
+              <a:rPr lang="en-US" sz="1800" dirty="0" err="1">
+                <a:latin typeface="+mn-lt"/>
+                <a:ea typeface="Segoe UI Black" panose="020B0A02040204020203" pitchFamily="34" charset="0"/>
+              </a:rPr>
+              <a:t>thực</a:t>
+            </a:r>
+            <a:r>
+              <a:rPr lang="en-US" sz="1800" dirty="0">
+                <a:latin typeface="+mn-lt"/>
+                <a:ea typeface="Segoe UI Black" panose="020B0A02040204020203" pitchFamily="34" charset="0"/>
+              </a:rPr>
+              <a:t>.</a:t>
             </a:r>
           </a:p>
           <a:p>
@@ -5027,10 +5219,116 @@
               <a:buChar char="•"/>
             </a:pPr>
             <a:r>
-              <a:rPr lang="en-US" sz="1800">
+              <a:rPr lang="en-US" sz="1800" dirty="0" err="1">
                 <a:latin typeface="+mn-lt"/>
+                <a:ea typeface="Segoe UI Black" panose="020B0A02040204020203" pitchFamily="34" charset="0"/>
               </a:rPr>
-              <a:t>WiFi: tạo kết nối và cấu hình wifi.</a:t>
+              <a:t>WiFi</a:t>
+            </a:r>
+            <a:r>
+              <a:rPr lang="en-US" sz="1800" dirty="0">
+                <a:latin typeface="+mn-lt"/>
+                <a:ea typeface="Segoe UI Black" panose="020B0A02040204020203" pitchFamily="34" charset="0"/>
+              </a:rPr>
+              <a:t>: </a:t>
+            </a:r>
+            <a:r>
+              <a:rPr lang="en-US" sz="1800" dirty="0" err="1">
+                <a:latin typeface="+mn-lt"/>
+                <a:ea typeface="Segoe UI Black" panose="020B0A02040204020203" pitchFamily="34" charset="0"/>
+              </a:rPr>
+              <a:t>tạo</a:t>
+            </a:r>
+            <a:r>
+              <a:rPr lang="en-US" sz="1800" dirty="0">
+                <a:latin typeface="+mn-lt"/>
+                <a:ea typeface="Segoe UI Black" panose="020B0A02040204020203" pitchFamily="34" charset="0"/>
+              </a:rPr>
+              <a:t> </a:t>
+            </a:r>
+            <a:r>
+              <a:rPr lang="en-US" sz="1800" dirty="0" err="1">
+                <a:latin typeface="+mn-lt"/>
+                <a:ea typeface="Segoe UI Black" panose="020B0A02040204020203" pitchFamily="34" charset="0"/>
+              </a:rPr>
+              <a:t>kết</a:t>
+            </a:r>
+            <a:r>
+              <a:rPr lang="en-US" sz="1800" dirty="0">
+                <a:latin typeface="+mn-lt"/>
+                <a:ea typeface="Segoe UI Black" panose="020B0A02040204020203" pitchFamily="34" charset="0"/>
+              </a:rPr>
+              <a:t> </a:t>
+            </a:r>
+            <a:r>
+              <a:rPr lang="en-US" sz="1800" dirty="0" err="1">
+                <a:latin typeface="+mn-lt"/>
+                <a:ea typeface="Segoe UI Black" panose="020B0A02040204020203" pitchFamily="34" charset="0"/>
+              </a:rPr>
+              <a:t>nối</a:t>
+            </a:r>
+            <a:r>
+              <a:rPr lang="en-US" sz="1800" dirty="0">
+                <a:latin typeface="+mn-lt"/>
+                <a:ea typeface="Segoe UI Black" panose="020B0A02040204020203" pitchFamily="34" charset="0"/>
+              </a:rPr>
+              <a:t> </a:t>
+            </a:r>
+            <a:r>
+              <a:rPr lang="en-US" sz="1800" dirty="0" err="1">
+                <a:latin typeface="+mn-lt"/>
+                <a:ea typeface="Segoe UI Black" panose="020B0A02040204020203" pitchFamily="34" charset="0"/>
+              </a:rPr>
+              <a:t>và</a:t>
+            </a:r>
+            <a:r>
+              <a:rPr lang="en-US" sz="1800" dirty="0">
+                <a:latin typeface="+mn-lt"/>
+                <a:ea typeface="Segoe UI Black" panose="020B0A02040204020203" pitchFamily="34" charset="0"/>
+              </a:rPr>
+              <a:t> </a:t>
+            </a:r>
+            <a:r>
+              <a:rPr lang="en-US" sz="1800" dirty="0" err="1">
+                <a:latin typeface="+mn-lt"/>
+                <a:ea typeface="Segoe UI Black" panose="020B0A02040204020203" pitchFamily="34" charset="0"/>
+              </a:rPr>
+              <a:t>cấu</a:t>
+            </a:r>
+            <a:r>
+              <a:rPr lang="en-US" sz="1800" dirty="0">
+                <a:latin typeface="+mn-lt"/>
+                <a:ea typeface="Segoe UI Black" panose="020B0A02040204020203" pitchFamily="34" charset="0"/>
+              </a:rPr>
+              <a:t> </a:t>
+            </a:r>
+            <a:r>
+              <a:rPr lang="en-US" sz="1800" dirty="0" err="1">
+                <a:latin typeface="+mn-lt"/>
+                <a:ea typeface="Segoe UI Black" panose="020B0A02040204020203" pitchFamily="34" charset="0"/>
+              </a:rPr>
+              <a:t>hình</a:t>
+            </a:r>
+            <a:r>
+              <a:rPr lang="en-US" sz="1800" dirty="0">
+                <a:latin typeface="+mn-lt"/>
+                <a:ea typeface="Segoe UI Black" panose="020B0A02040204020203" pitchFamily="34" charset="0"/>
+              </a:rPr>
+              <a:t> </a:t>
+            </a:r>
+            <a:r>
+              <a:rPr lang="en-US" sz="1800" dirty="0" err="1">
+                <a:latin typeface="+mn-lt"/>
+                <a:ea typeface="Segoe UI Black" panose="020B0A02040204020203" pitchFamily="34" charset="0"/>
+              </a:rPr>
+              <a:t>wifi</a:t>
+            </a:r>
+            <a:r>
+              <a:rPr lang="en-US" sz="1800" dirty="0">
+                <a:latin typeface="+mn-lt"/>
+                <a:ea typeface="Segoe UI Black" panose="020B0A02040204020203" pitchFamily="34" charset="0"/>
+              </a:rPr>
+              <a:t>.</a:t>
             </a:r>
           </a:p>
           <a:p>
@@ -5041,8 +5339,9 @@
               <a:buFont typeface="Arial" panose="020B0604020202020204" pitchFamily="34" charset="0"/>
               <a:buChar char="•"/>
             </a:pPr>
-            <a:endParaRPr lang="en-US" sz="1800">
+            <a:endParaRPr lang="en-US" sz="1800" dirty="0">
               <a:latin typeface="+mn-lt"/>
+              <a:ea typeface="Segoe UI Black" panose="020B0A02040204020203" pitchFamily="34" charset="0"/>
             </a:endParaRPr>
           </a:p>
           <a:p>
@@ -5053,8 +5352,9 @@
               <a:buFont typeface="Arial" panose="020B0604020202020204" pitchFamily="34" charset="0"/>
               <a:buChar char="•"/>
             </a:pPr>
-            <a:endParaRPr lang="en-US" sz="1800">
+            <a:endParaRPr lang="en-US" sz="1800" dirty="0">
               <a:latin typeface="+mn-lt"/>
+              <a:ea typeface="Segoe UI Black" panose="020B0A02040204020203" pitchFamily="34" charset="0"/>
             </a:endParaRPr>
           </a:p>
         </p:txBody>
@@ -5270,7 +5570,7 @@
           <a:lstStyle/>
           <a:p>
             <a:r>
-              <a:rPr lang="en-US"/>
+              <a:rPr lang="en-US" sz="3000" dirty="0"/>
               <a:t>WEBSERVER</a:t>
             </a:r>
           </a:p>
@@ -5534,7 +5834,7 @@
           <a:lstStyle/>
           <a:p>
             <a:r>
-              <a:rPr lang="en-US"/>
+              <a:rPr lang="en-US" sz="3000" dirty="0"/>
               <a:t>WEBSERVER</a:t>
             </a:r>
           </a:p>
@@ -5792,7 +6092,7 @@
           <a:lstStyle/>
           <a:p>
             <a:r>
-              <a:rPr lang="en-US"/>
+              <a:rPr lang="en-US" sz="3000" dirty="0"/>
               <a:t>WEBSERVER</a:t>
             </a:r>
           </a:p>
@@ -6221,7 +6521,7 @@
           <a:lstStyle/>
           <a:p>
             <a:r>
-              <a:rPr lang="en-US"/>
+              <a:rPr lang="en-US" sz="3000" dirty="0"/>
               <a:t>WEBSERVER</a:t>
             </a:r>
           </a:p>
@@ -6240,7 +6540,7 @@
         <p:spPr/>
         <p:txBody>
           <a:bodyPr>
-            <a:normAutofit lnSpcReduction="10000"/>
+            <a:normAutofit fontScale="92500"/>
           </a:bodyPr>
           <a:lstStyle/>
           <a:p>
@@ -6442,7 +6742,7 @@
           <a:lstStyle/>
           <a:p>
             <a:r>
-              <a:rPr lang="en-US"/>
+              <a:rPr lang="en-US" sz="3000" dirty="0"/>
               <a:t>WEBSERVER</a:t>
             </a:r>
           </a:p>
@@ -6461,7 +6761,7 @@
         <p:spPr/>
         <p:txBody>
           <a:bodyPr>
-            <a:normAutofit lnSpcReduction="10000"/>
+            <a:normAutofit fontScale="92500"/>
           </a:bodyPr>
           <a:lstStyle/>
           <a:p>
@@ -6588,7 +6888,7 @@
           <a:lstStyle/>
           <a:p>
             <a:r>
-              <a:rPr lang="en-US"/>
+              <a:rPr lang="en-US" sz="3000" dirty="0"/>
               <a:t>WEBSERVER</a:t>
             </a:r>
           </a:p>
